--- a/Report of Project.pptx
+++ b/Report of Project.pptx
@@ -108,6 +108,11 @@
       </a:defRPr>
     </a:lvl9pPr>
   </p:defaultTextStyle>
+  <p:extLst>
+    <p:ext uri="{EFAFB233-063F-42B5-8137-9DF3F51BA10A}">
+      <p15:sldGuideLst xmlns:p15="http://schemas.microsoft.com/office/powerpoint/2012/main"/>
+    </p:ext>
+  </p:extLst>
 </p:presentation>
 </file>
 
@@ -161,7 +166,7 @@
           <a:noFill/>
           <a:extLst>
             <a:ext uri="{909E8E84-426E-40dd-AFC4-6F175D3DCCD1}">
-              <a14:hiddenFill xmlns:a14="http://schemas.microsoft.com/office/drawing/2010/main" xmlns="">
+              <a14:hiddenFill xmlns="" xmlns:a14="http://schemas.microsoft.com/office/drawing/2010/main">
                 <a:solidFill>
                   <a:srgbClr val="FFFFFF"/>
                 </a:solidFill>
@@ -221,7 +226,7 @@
             </a:ln>
             <a:extLst>
               <a:ext uri="{91240B29-F687-4f45-9708-019B960494DF}">
-                <a14:hiddenLine xmlns:a14="http://schemas.microsoft.com/office/drawing/2010/main" xmlns="" w="9525">
+                <a14:hiddenLine xmlns="" xmlns:a14="http://schemas.microsoft.com/office/drawing/2010/main" w="9525">
                   <a:solidFill>
                     <a:srgbClr val="000000"/>
                   </a:solidFill>
@@ -311,7 +316,7 @@
             </a:ln>
             <a:extLst>
               <a:ext uri="{91240B29-F687-4f45-9708-019B960494DF}">
-                <a14:hiddenLine xmlns:a14="http://schemas.microsoft.com/office/drawing/2010/main" xmlns="" w="9525">
+                <a14:hiddenLine xmlns="" xmlns:a14="http://schemas.microsoft.com/office/drawing/2010/main" w="9525">
                   <a:solidFill>
                     <a:srgbClr val="000000"/>
                   </a:solidFill>
@@ -401,7 +406,7 @@
             </a:ln>
             <a:extLst>
               <a:ext uri="{91240B29-F687-4f45-9708-019B960494DF}">
-                <a14:hiddenLine xmlns:a14="http://schemas.microsoft.com/office/drawing/2010/main" xmlns="" w="9525">
+                <a14:hiddenLine xmlns="" xmlns:a14="http://schemas.microsoft.com/office/drawing/2010/main" w="9525">
                   <a:solidFill>
                     <a:srgbClr val="000000"/>
                   </a:solidFill>
@@ -435,7 +440,7 @@
             </a:ln>
             <a:extLst>
               <a:ext uri="{91240B29-F687-4f45-9708-019B960494DF}">
-                <a14:hiddenLine xmlns:a14="http://schemas.microsoft.com/office/drawing/2010/main" xmlns="" w="9525">
+                <a14:hiddenLine xmlns="" xmlns:a14="http://schemas.microsoft.com/office/drawing/2010/main" w="9525">
                   <a:solidFill>
                     <a:srgbClr val="000000"/>
                   </a:solidFill>
@@ -525,7 +530,7 @@
             </a:ln>
             <a:extLst>
               <a:ext uri="{91240B29-F687-4f45-9708-019B960494DF}">
-                <a14:hiddenLine xmlns:a14="http://schemas.microsoft.com/office/drawing/2010/main" xmlns="" w="9525">
+                <a14:hiddenLine xmlns="" xmlns:a14="http://schemas.microsoft.com/office/drawing/2010/main" w="9525">
                   <a:solidFill>
                     <a:srgbClr val="000000"/>
                   </a:solidFill>
@@ -587,7 +592,7 @@
             </a:ln>
             <a:extLst>
               <a:ext uri="{91240B29-F687-4f45-9708-019B960494DF}">
-                <a14:hiddenLine xmlns:a14="http://schemas.microsoft.com/office/drawing/2010/main" xmlns="" w="9525">
+                <a14:hiddenLine xmlns="" xmlns:a14="http://schemas.microsoft.com/office/drawing/2010/main" w="9525">
                   <a:solidFill>
                     <a:srgbClr val="000000"/>
                   </a:solidFill>
@@ -649,7 +654,7 @@
             </a:ln>
             <a:extLst>
               <a:ext uri="{91240B29-F687-4f45-9708-019B960494DF}">
-                <a14:hiddenLine xmlns:a14="http://schemas.microsoft.com/office/drawing/2010/main" xmlns="" w="9525">
+                <a14:hiddenLine xmlns="" xmlns:a14="http://schemas.microsoft.com/office/drawing/2010/main" w="9525">
                   <a:solidFill>
                     <a:srgbClr val="000000"/>
                   </a:solidFill>
@@ -739,7 +744,7 @@
             </a:ln>
             <a:extLst>
               <a:ext uri="{91240B29-F687-4f45-9708-019B960494DF}">
-                <a14:hiddenLine xmlns:a14="http://schemas.microsoft.com/office/drawing/2010/main" xmlns="" w="9525">
+                <a14:hiddenLine xmlns="" xmlns:a14="http://schemas.microsoft.com/office/drawing/2010/main" w="9525">
                   <a:solidFill>
                     <a:srgbClr val="000000"/>
                   </a:solidFill>
@@ -801,7 +806,7 @@
             </a:ln>
             <a:extLst>
               <a:ext uri="{91240B29-F687-4f45-9708-019B960494DF}">
-                <a14:hiddenLine xmlns:a14="http://schemas.microsoft.com/office/drawing/2010/main" xmlns="" w="9525">
+                <a14:hiddenLine xmlns="" xmlns:a14="http://schemas.microsoft.com/office/drawing/2010/main" w="9525">
                   <a:solidFill>
                     <a:srgbClr val="000000"/>
                   </a:solidFill>
@@ -863,7 +868,7 @@
             </a:ln>
             <a:extLst>
               <a:ext uri="{91240B29-F687-4f45-9708-019B960494DF}">
-                <a14:hiddenLine xmlns:a14="http://schemas.microsoft.com/office/drawing/2010/main" xmlns="" w="9525">
+                <a14:hiddenLine xmlns="" xmlns:a14="http://schemas.microsoft.com/office/drawing/2010/main" w="9525">
                   <a:solidFill>
                     <a:srgbClr val="000000"/>
                   </a:solidFill>
@@ -953,7 +958,7 @@
             </a:ln>
             <a:extLst>
               <a:ext uri="{91240B29-F687-4f45-9708-019B960494DF}">
-                <a14:hiddenLine xmlns:a14="http://schemas.microsoft.com/office/drawing/2010/main" xmlns="" w="9525">
+                <a14:hiddenLine xmlns="" xmlns:a14="http://schemas.microsoft.com/office/drawing/2010/main" w="9525">
                   <a:solidFill>
                     <a:srgbClr val="000000"/>
                   </a:solidFill>
@@ -1043,7 +1048,7 @@
             </a:ln>
             <a:extLst>
               <a:ext uri="{91240B29-F687-4f45-9708-019B960494DF}">
-                <a14:hiddenLine xmlns:a14="http://schemas.microsoft.com/office/drawing/2010/main" xmlns="" w="9525">
+                <a14:hiddenLine xmlns="" xmlns:a14="http://schemas.microsoft.com/office/drawing/2010/main" w="9525">
                   <a:solidFill>
                     <a:srgbClr val="000000"/>
                   </a:solidFill>
@@ -1105,7 +1110,7 @@
             </a:ln>
             <a:extLst>
               <a:ext uri="{91240B29-F687-4f45-9708-019B960494DF}">
-                <a14:hiddenLine xmlns:a14="http://schemas.microsoft.com/office/drawing/2010/main" xmlns="" w="9525">
+                <a14:hiddenLine xmlns="" xmlns:a14="http://schemas.microsoft.com/office/drawing/2010/main" w="9525">
                   <a:solidFill>
                     <a:srgbClr val="000000"/>
                   </a:solidFill>
@@ -1215,7 +1220,7 @@
             </a:ln>
             <a:extLst>
               <a:ext uri="{91240B29-F687-4f45-9708-019B960494DF}">
-                <a14:hiddenLine xmlns:a14="http://schemas.microsoft.com/office/drawing/2010/main" xmlns="" w="9525">
+                <a14:hiddenLine xmlns="" xmlns:a14="http://schemas.microsoft.com/office/drawing/2010/main" w="9525">
                   <a:solidFill>
                     <a:srgbClr val="000000"/>
                   </a:solidFill>
@@ -1277,7 +1282,7 @@
             </a:ln>
             <a:extLst>
               <a:ext uri="{91240B29-F687-4f45-9708-019B960494DF}">
-                <a14:hiddenLine xmlns:a14="http://schemas.microsoft.com/office/drawing/2010/main" xmlns="" w="9525">
+                <a14:hiddenLine xmlns="" xmlns:a14="http://schemas.microsoft.com/office/drawing/2010/main" w="9525">
                   <a:solidFill>
                     <a:srgbClr val="000000"/>
                   </a:solidFill>
@@ -1367,7 +1372,7 @@
             </a:ln>
             <a:extLst>
               <a:ext uri="{91240B29-F687-4f45-9708-019B960494DF}">
-                <a14:hiddenLine xmlns:a14="http://schemas.microsoft.com/office/drawing/2010/main" xmlns="" w="9525">
+                <a14:hiddenLine xmlns="" xmlns:a14="http://schemas.microsoft.com/office/drawing/2010/main" w="9525">
                   <a:solidFill>
                     <a:srgbClr val="000000"/>
                   </a:solidFill>
@@ -1457,7 +1462,7 @@
             </a:ln>
             <a:extLst>
               <a:ext uri="{91240B29-F687-4f45-9708-019B960494DF}">
-                <a14:hiddenLine xmlns:a14="http://schemas.microsoft.com/office/drawing/2010/main" xmlns="" w="9525">
+                <a14:hiddenLine xmlns="" xmlns:a14="http://schemas.microsoft.com/office/drawing/2010/main" w="9525">
                   <a:solidFill>
                     <a:srgbClr val="000000"/>
                   </a:solidFill>
@@ -1519,7 +1524,7 @@
             </a:ln>
             <a:extLst>
               <a:ext uri="{91240B29-F687-4f45-9708-019B960494DF}">
-                <a14:hiddenLine xmlns:a14="http://schemas.microsoft.com/office/drawing/2010/main" xmlns="" w="9525">
+                <a14:hiddenLine xmlns="" xmlns:a14="http://schemas.microsoft.com/office/drawing/2010/main" w="9525">
                   <a:solidFill>
                     <a:srgbClr val="000000"/>
                   </a:solidFill>
@@ -1609,7 +1614,7 @@
             </a:ln>
             <a:extLst>
               <a:ext uri="{91240B29-F687-4f45-9708-019B960494DF}">
-                <a14:hiddenLine xmlns:a14="http://schemas.microsoft.com/office/drawing/2010/main" xmlns="" w="9525">
+                <a14:hiddenLine xmlns="" xmlns:a14="http://schemas.microsoft.com/office/drawing/2010/main" w="9525">
                   <a:solidFill>
                     <a:srgbClr val="000000"/>
                   </a:solidFill>
@@ -1699,7 +1704,7 @@
             </a:ln>
             <a:extLst>
               <a:ext uri="{91240B29-F687-4f45-9708-019B960494DF}">
-                <a14:hiddenLine xmlns:a14="http://schemas.microsoft.com/office/drawing/2010/main" xmlns="" w="9525">
+                <a14:hiddenLine xmlns="" xmlns:a14="http://schemas.microsoft.com/office/drawing/2010/main" w="9525">
                   <a:solidFill>
                     <a:srgbClr val="000000"/>
                   </a:solidFill>
@@ -1755,7 +1760,7 @@
             </a:ln>
             <a:extLst>
               <a:ext uri="{91240B29-F687-4f45-9708-019B960494DF}">
-                <a14:hiddenLine xmlns:a14="http://schemas.microsoft.com/office/drawing/2010/main" xmlns="" w="9525">
+                <a14:hiddenLine xmlns="" xmlns:a14="http://schemas.microsoft.com/office/drawing/2010/main" w="9525">
                   <a:solidFill>
                     <a:srgbClr val="000000"/>
                   </a:solidFill>
@@ -1845,7 +1850,7 @@
             </a:ln>
             <a:extLst>
               <a:ext uri="{91240B29-F687-4f45-9708-019B960494DF}">
-                <a14:hiddenLine xmlns:a14="http://schemas.microsoft.com/office/drawing/2010/main" xmlns="" w="9525">
+                <a14:hiddenLine xmlns="" xmlns:a14="http://schemas.microsoft.com/office/drawing/2010/main" w="9525">
                   <a:solidFill>
                     <a:srgbClr val="000000"/>
                   </a:solidFill>
@@ -1901,7 +1906,7 @@
             </a:ln>
             <a:extLst>
               <a:ext uri="{91240B29-F687-4f45-9708-019B960494DF}">
-                <a14:hiddenLine xmlns:a14="http://schemas.microsoft.com/office/drawing/2010/main" xmlns="" w="9525">
+                <a14:hiddenLine xmlns="" xmlns:a14="http://schemas.microsoft.com/office/drawing/2010/main" w="9525">
                   <a:solidFill>
                     <a:srgbClr val="000000"/>
                   </a:solidFill>
@@ -1991,7 +1996,7 @@
             </a:ln>
             <a:extLst>
               <a:ext uri="{91240B29-F687-4f45-9708-019B960494DF}">
-                <a14:hiddenLine xmlns:a14="http://schemas.microsoft.com/office/drawing/2010/main" xmlns="" w="9525">
+                <a14:hiddenLine xmlns="" xmlns:a14="http://schemas.microsoft.com/office/drawing/2010/main" w="9525">
                   <a:solidFill>
                     <a:srgbClr val="000000"/>
                   </a:solidFill>
@@ -2059,7 +2064,7 @@
             </a:ln>
             <a:extLst>
               <a:ext uri="{91240B29-F687-4f45-9708-019B960494DF}">
-                <a14:hiddenLine xmlns:a14="http://schemas.microsoft.com/office/drawing/2010/main" xmlns="" w="9525">
+                <a14:hiddenLine xmlns="" xmlns:a14="http://schemas.microsoft.com/office/drawing/2010/main" w="9525">
                   <a:solidFill>
                     <a:srgbClr val="000000"/>
                   </a:solidFill>
@@ -2149,7 +2154,7 @@
             </a:ln>
             <a:extLst>
               <a:ext uri="{91240B29-F687-4f45-9708-019B960494DF}">
-                <a14:hiddenLine xmlns:a14="http://schemas.microsoft.com/office/drawing/2010/main" xmlns="" w="9525">
+                <a14:hiddenLine xmlns="" xmlns:a14="http://schemas.microsoft.com/office/drawing/2010/main" w="9525">
                   <a:solidFill>
                     <a:srgbClr val="000000"/>
                   </a:solidFill>
@@ -2217,7 +2222,7 @@
             </a:ln>
             <a:extLst>
               <a:ext uri="{91240B29-F687-4f45-9708-019B960494DF}">
-                <a14:hiddenLine xmlns:a14="http://schemas.microsoft.com/office/drawing/2010/main" xmlns="" w="9525">
+                <a14:hiddenLine xmlns="" xmlns:a14="http://schemas.microsoft.com/office/drawing/2010/main" w="9525">
                   <a:solidFill>
                     <a:srgbClr val="000000"/>
                   </a:solidFill>
@@ -2307,7 +2312,7 @@
             </a:ln>
             <a:extLst>
               <a:ext uri="{91240B29-F687-4f45-9708-019B960494DF}">
-                <a14:hiddenLine xmlns:a14="http://schemas.microsoft.com/office/drawing/2010/main" xmlns="" w="9525">
+                <a14:hiddenLine xmlns="" xmlns:a14="http://schemas.microsoft.com/office/drawing/2010/main" w="9525">
                   <a:solidFill>
                     <a:srgbClr val="000000"/>
                   </a:solidFill>
@@ -2341,7 +2346,7 @@
             </a:ln>
             <a:extLst>
               <a:ext uri="{91240B29-F687-4f45-9708-019B960494DF}">
-                <a14:hiddenLine xmlns:a14="http://schemas.microsoft.com/office/drawing/2010/main" xmlns="" w="9525">
+                <a14:hiddenLine xmlns="" xmlns:a14="http://schemas.microsoft.com/office/drawing/2010/main" w="9525">
                   <a:solidFill>
                     <a:srgbClr val="000000"/>
                   </a:solidFill>
@@ -2431,7 +2436,7 @@
             </a:ln>
             <a:extLst>
               <a:ext uri="{91240B29-F687-4f45-9708-019B960494DF}">
-                <a14:hiddenLine xmlns:a14="http://schemas.microsoft.com/office/drawing/2010/main" xmlns="" w="9525">
+                <a14:hiddenLine xmlns="" xmlns:a14="http://schemas.microsoft.com/office/drawing/2010/main" w="9525">
                   <a:solidFill>
                     <a:srgbClr val="000000"/>
                   </a:solidFill>
@@ -2493,7 +2498,7 @@
             </a:ln>
             <a:extLst>
               <a:ext uri="{91240B29-F687-4f45-9708-019B960494DF}">
-                <a14:hiddenLine xmlns:a14="http://schemas.microsoft.com/office/drawing/2010/main" xmlns="" w="9525">
+                <a14:hiddenLine xmlns="" xmlns:a14="http://schemas.microsoft.com/office/drawing/2010/main" w="9525">
                   <a:solidFill>
                     <a:srgbClr val="000000"/>
                   </a:solidFill>
@@ -2555,7 +2560,7 @@
             </a:ln>
             <a:extLst>
               <a:ext uri="{91240B29-F687-4f45-9708-019B960494DF}">
-                <a14:hiddenLine xmlns:a14="http://schemas.microsoft.com/office/drawing/2010/main" xmlns="" w="9525">
+                <a14:hiddenLine xmlns="" xmlns:a14="http://schemas.microsoft.com/office/drawing/2010/main" w="9525">
                   <a:solidFill>
                     <a:srgbClr val="000000"/>
                   </a:solidFill>
@@ -2645,7 +2650,7 @@
             </a:ln>
             <a:extLst>
               <a:ext uri="{91240B29-F687-4f45-9708-019B960494DF}">
-                <a14:hiddenLine xmlns:a14="http://schemas.microsoft.com/office/drawing/2010/main" xmlns="" w="9525">
+                <a14:hiddenLine xmlns="" xmlns:a14="http://schemas.microsoft.com/office/drawing/2010/main" w="9525">
                   <a:solidFill>
                     <a:srgbClr val="000000"/>
                   </a:solidFill>
@@ -2713,7 +2718,7 @@
             </a:ln>
             <a:extLst>
               <a:ext uri="{91240B29-F687-4f45-9708-019B960494DF}">
-                <a14:hiddenLine xmlns:a14="http://schemas.microsoft.com/office/drawing/2010/main" xmlns="" w="9525">
+                <a14:hiddenLine xmlns="" xmlns:a14="http://schemas.microsoft.com/office/drawing/2010/main" w="9525">
                   <a:solidFill>
                     <a:srgbClr val="000000"/>
                   </a:solidFill>
@@ -2775,7 +2780,7 @@
             </a:ln>
             <a:extLst>
               <a:ext uri="{91240B29-F687-4f45-9708-019B960494DF}">
-                <a14:hiddenLine xmlns:a14="http://schemas.microsoft.com/office/drawing/2010/main" xmlns="" w="9525">
+                <a14:hiddenLine xmlns="" xmlns:a14="http://schemas.microsoft.com/office/drawing/2010/main" w="9525">
                   <a:solidFill>
                     <a:srgbClr val="000000"/>
                   </a:solidFill>
@@ -2865,7 +2870,7 @@
             </a:ln>
             <a:extLst>
               <a:ext uri="{91240B29-F687-4f45-9708-019B960494DF}">
-                <a14:hiddenLine xmlns:a14="http://schemas.microsoft.com/office/drawing/2010/main" xmlns="" w="9525">
+                <a14:hiddenLine xmlns="" xmlns:a14="http://schemas.microsoft.com/office/drawing/2010/main" w="9525">
                   <a:solidFill>
                     <a:srgbClr val="000000"/>
                   </a:solidFill>
@@ -2927,7 +2932,7 @@
             </a:ln>
             <a:extLst>
               <a:ext uri="{91240B29-F687-4f45-9708-019B960494DF}">
-                <a14:hiddenLine xmlns:a14="http://schemas.microsoft.com/office/drawing/2010/main" xmlns="" w="9525">
+                <a14:hiddenLine xmlns="" xmlns:a14="http://schemas.microsoft.com/office/drawing/2010/main" w="9525">
                   <a:solidFill>
                     <a:srgbClr val="000000"/>
                   </a:solidFill>
@@ -3017,7 +3022,7 @@
             </a:ln>
             <a:extLst>
               <a:ext uri="{91240B29-F687-4f45-9708-019B960494DF}">
-                <a14:hiddenLine xmlns:a14="http://schemas.microsoft.com/office/drawing/2010/main" xmlns="" w="9525">
+                <a14:hiddenLine xmlns="" xmlns:a14="http://schemas.microsoft.com/office/drawing/2010/main" w="9525">
                   <a:solidFill>
                     <a:srgbClr val="000000"/>
                   </a:solidFill>
@@ -3079,7 +3084,7 @@
             </a:ln>
             <a:extLst>
               <a:ext uri="{91240B29-F687-4f45-9708-019B960494DF}">
-                <a14:hiddenLine xmlns:a14="http://schemas.microsoft.com/office/drawing/2010/main" xmlns="" w="9525">
+                <a14:hiddenLine xmlns="" xmlns:a14="http://schemas.microsoft.com/office/drawing/2010/main" w="9525">
                   <a:solidFill>
                     <a:srgbClr val="000000"/>
                   </a:solidFill>
@@ -3169,7 +3174,7 @@
             </a:ln>
             <a:extLst>
               <a:ext uri="{91240B29-F687-4f45-9708-019B960494DF}">
-                <a14:hiddenLine xmlns:a14="http://schemas.microsoft.com/office/drawing/2010/main" xmlns="" w="9525">
+                <a14:hiddenLine xmlns="" xmlns:a14="http://schemas.microsoft.com/office/drawing/2010/main" w="9525">
                   <a:solidFill>
                     <a:srgbClr val="000000"/>
                   </a:solidFill>
@@ -3203,7 +3208,7 @@
             </a:ln>
             <a:extLst>
               <a:ext uri="{91240B29-F687-4f45-9708-019B960494DF}">
-                <a14:hiddenLine xmlns:a14="http://schemas.microsoft.com/office/drawing/2010/main" xmlns="" w="9525">
+                <a14:hiddenLine xmlns="" xmlns:a14="http://schemas.microsoft.com/office/drawing/2010/main" w="9525">
                   <a:solidFill>
                     <a:srgbClr val="000000"/>
                   </a:solidFill>
@@ -3268,7 +3273,7 @@
             </a:ln>
             <a:extLst>
               <a:ext uri="{91240B29-F687-4f45-9708-019B960494DF}">
-                <a14:hiddenLine xmlns:a14="http://schemas.microsoft.com/office/drawing/2010/main" xmlns="" w="9525">
+                <a14:hiddenLine xmlns="" xmlns:a14="http://schemas.microsoft.com/office/drawing/2010/main" w="9525">
                   <a:solidFill>
                     <a:srgbClr val="000000"/>
                   </a:solidFill>
@@ -3358,7 +3363,7 @@
             </a:ln>
             <a:extLst>
               <a:ext uri="{91240B29-F687-4f45-9708-019B960494DF}">
-                <a14:hiddenLine xmlns:a14="http://schemas.microsoft.com/office/drawing/2010/main" xmlns="" w="9525">
+                <a14:hiddenLine xmlns="" xmlns:a14="http://schemas.microsoft.com/office/drawing/2010/main" w="9525">
                   <a:solidFill>
                     <a:srgbClr val="000000"/>
                   </a:solidFill>
@@ -3420,7 +3425,7 @@
             </a:ln>
             <a:extLst>
               <a:ext uri="{91240B29-F687-4f45-9708-019B960494DF}">
-                <a14:hiddenLine xmlns:a14="http://schemas.microsoft.com/office/drawing/2010/main" xmlns="" w="9525">
+                <a14:hiddenLine xmlns="" xmlns:a14="http://schemas.microsoft.com/office/drawing/2010/main" w="9525">
                   <a:solidFill>
                     <a:srgbClr val="000000"/>
                   </a:solidFill>
@@ -3510,7 +3515,7 @@
             </a:ln>
             <a:extLst>
               <a:ext uri="{91240B29-F687-4f45-9708-019B960494DF}">
-                <a14:hiddenLine xmlns:a14="http://schemas.microsoft.com/office/drawing/2010/main" xmlns="" w="9525">
+                <a14:hiddenLine xmlns="" xmlns:a14="http://schemas.microsoft.com/office/drawing/2010/main" w="9525">
                   <a:solidFill>
                     <a:srgbClr val="000000"/>
                   </a:solidFill>
@@ -3600,7 +3605,7 @@
             </a:ln>
             <a:extLst>
               <a:ext uri="{91240B29-F687-4f45-9708-019B960494DF}">
-                <a14:hiddenLine xmlns:a14="http://schemas.microsoft.com/office/drawing/2010/main" xmlns="" w="9525">
+                <a14:hiddenLine xmlns="" xmlns:a14="http://schemas.microsoft.com/office/drawing/2010/main" w="9525">
                   <a:solidFill>
                     <a:srgbClr val="000000"/>
                   </a:solidFill>
@@ -3665,7 +3670,7 @@
             </a:ln>
             <a:extLst>
               <a:ext uri="{91240B29-F687-4f45-9708-019B960494DF}">
-                <a14:hiddenLine xmlns:a14="http://schemas.microsoft.com/office/drawing/2010/main" xmlns="" w="9525">
+                <a14:hiddenLine xmlns="" xmlns:a14="http://schemas.microsoft.com/office/drawing/2010/main" w="9525">
                   <a:solidFill>
                     <a:srgbClr val="000000"/>
                   </a:solidFill>
@@ -3727,7 +3732,7 @@
             </a:ln>
             <a:extLst>
               <a:ext uri="{91240B29-F687-4f45-9708-019B960494DF}">
-                <a14:hiddenLine xmlns:a14="http://schemas.microsoft.com/office/drawing/2010/main" xmlns="" w="9525">
+                <a14:hiddenLine xmlns="" xmlns:a14="http://schemas.microsoft.com/office/drawing/2010/main" w="9525">
                   <a:solidFill>
                     <a:srgbClr val="000000"/>
                   </a:solidFill>
@@ -3817,7 +3822,7 @@
             </a:ln>
             <a:extLst>
               <a:ext uri="{91240B29-F687-4f45-9708-019B960494DF}">
-                <a14:hiddenLine xmlns:a14="http://schemas.microsoft.com/office/drawing/2010/main" xmlns="" w="9525">
+                <a14:hiddenLine xmlns="" xmlns:a14="http://schemas.microsoft.com/office/drawing/2010/main" w="9525">
                   <a:solidFill>
                     <a:srgbClr val="000000"/>
                   </a:solidFill>
@@ -3907,7 +3912,7 @@
             </a:ln>
             <a:extLst>
               <a:ext uri="{91240B29-F687-4f45-9708-019B960494DF}">
-                <a14:hiddenLine xmlns:a14="http://schemas.microsoft.com/office/drawing/2010/main" xmlns="" w="9525">
+                <a14:hiddenLine xmlns="" xmlns:a14="http://schemas.microsoft.com/office/drawing/2010/main" w="9525">
                   <a:solidFill>
                     <a:srgbClr val="000000"/>
                   </a:solidFill>
@@ -3969,7 +3974,7 @@
             </a:ln>
             <a:extLst>
               <a:ext uri="{91240B29-F687-4f45-9708-019B960494DF}">
-                <a14:hiddenLine xmlns:a14="http://schemas.microsoft.com/office/drawing/2010/main" xmlns="" w="9525">
+                <a14:hiddenLine xmlns="" xmlns:a14="http://schemas.microsoft.com/office/drawing/2010/main" w="9525">
                   <a:solidFill>
                     <a:srgbClr val="000000"/>
                   </a:solidFill>
@@ -4089,7 +4094,7 @@
             </a:ln>
             <a:extLst>
               <a:ext uri="{91240B29-F687-4f45-9708-019B960494DF}">
-                <a14:hiddenLine xmlns:a14="http://schemas.microsoft.com/office/drawing/2010/main" xmlns="" w="9525">
+                <a14:hiddenLine xmlns="" xmlns:a14="http://schemas.microsoft.com/office/drawing/2010/main" w="9525">
                   <a:solidFill>
                     <a:srgbClr val="000000"/>
                   </a:solidFill>
@@ -4157,7 +4162,7 @@
             </a:ln>
             <a:extLst>
               <a:ext uri="{91240B29-F687-4f45-9708-019B960494DF}">
-                <a14:hiddenLine xmlns:a14="http://schemas.microsoft.com/office/drawing/2010/main" xmlns="" w="9525">
+                <a14:hiddenLine xmlns="" xmlns:a14="http://schemas.microsoft.com/office/drawing/2010/main" w="9525">
                   <a:solidFill>
                     <a:srgbClr val="000000"/>
                   </a:solidFill>
@@ -4247,7 +4252,7 @@
             </a:ln>
             <a:extLst>
               <a:ext uri="{91240B29-F687-4f45-9708-019B960494DF}">
-                <a14:hiddenLine xmlns:a14="http://schemas.microsoft.com/office/drawing/2010/main" xmlns="" w="9525">
+                <a14:hiddenLine xmlns="" xmlns:a14="http://schemas.microsoft.com/office/drawing/2010/main" w="9525">
                   <a:solidFill>
                     <a:srgbClr val="000000"/>
                   </a:solidFill>
@@ -9054,7 +9059,7 @@
           <a:noFill/>
           <a:extLst>
             <a:ext uri="{909E8E84-426E-40dd-AFC4-6F175D3DCCD1}">
-              <a14:hiddenFill xmlns:a14="http://schemas.microsoft.com/office/drawing/2010/main" xmlns="">
+              <a14:hiddenFill xmlns="" xmlns:a14="http://schemas.microsoft.com/office/drawing/2010/main">
                 <a:solidFill>
                   <a:srgbClr val="FFFFFF"/>
                 </a:solidFill>
@@ -9128,7 +9133,7 @@
               </a:ln>
               <a:extLst>
                 <a:ext uri="{91240B29-F687-4f45-9708-019B960494DF}">
-                  <a14:hiddenLine xmlns:a14="http://schemas.microsoft.com/office/drawing/2010/main" xmlns="" w="9525">
+                  <a14:hiddenLine xmlns="" xmlns:a14="http://schemas.microsoft.com/office/drawing/2010/main" w="9525">
                     <a:solidFill>
                       <a:srgbClr val="000000"/>
                     </a:solidFill>
@@ -9218,7 +9223,7 @@
               </a:ln>
               <a:extLst>
                 <a:ext uri="{91240B29-F687-4f45-9708-019B960494DF}">
-                  <a14:hiddenLine xmlns:a14="http://schemas.microsoft.com/office/drawing/2010/main" xmlns="" w="9525">
+                  <a14:hiddenLine xmlns="" xmlns:a14="http://schemas.microsoft.com/office/drawing/2010/main" w="9525">
                     <a:solidFill>
                       <a:srgbClr val="000000"/>
                     </a:solidFill>
@@ -9308,7 +9313,7 @@
               </a:ln>
               <a:extLst>
                 <a:ext uri="{91240B29-F687-4f45-9708-019B960494DF}">
-                  <a14:hiddenLine xmlns:a14="http://schemas.microsoft.com/office/drawing/2010/main" xmlns="" w="9525">
+                  <a14:hiddenLine xmlns="" xmlns:a14="http://schemas.microsoft.com/office/drawing/2010/main" w="9525">
                     <a:solidFill>
                       <a:srgbClr val="000000"/>
                     </a:solidFill>
@@ -9370,7 +9375,7 @@
               </a:ln>
               <a:extLst>
                 <a:ext uri="{91240B29-F687-4f45-9708-019B960494DF}">
-                  <a14:hiddenLine xmlns:a14="http://schemas.microsoft.com/office/drawing/2010/main" xmlns="" w="9525">
+                  <a14:hiddenLine xmlns="" xmlns:a14="http://schemas.microsoft.com/office/drawing/2010/main" w="9525">
                     <a:solidFill>
                       <a:srgbClr val="000000"/>
                     </a:solidFill>
@@ -9460,7 +9465,7 @@
               </a:ln>
               <a:extLst>
                 <a:ext uri="{91240B29-F687-4f45-9708-019B960494DF}">
-                  <a14:hiddenLine xmlns:a14="http://schemas.microsoft.com/office/drawing/2010/main" xmlns="" w="9525">
+                  <a14:hiddenLine xmlns="" xmlns:a14="http://schemas.microsoft.com/office/drawing/2010/main" w="9525">
                     <a:solidFill>
                       <a:srgbClr val="000000"/>
                     </a:solidFill>
@@ -9522,7 +9527,7 @@
               </a:ln>
               <a:extLst>
                 <a:ext uri="{91240B29-F687-4f45-9708-019B960494DF}">
-                  <a14:hiddenLine xmlns:a14="http://schemas.microsoft.com/office/drawing/2010/main" xmlns="" w="9525">
+                  <a14:hiddenLine xmlns="" xmlns:a14="http://schemas.microsoft.com/office/drawing/2010/main" w="9525">
                     <a:solidFill>
                       <a:srgbClr val="000000"/>
                     </a:solidFill>
@@ -9584,7 +9589,7 @@
               </a:ln>
               <a:extLst>
                 <a:ext uri="{91240B29-F687-4f45-9708-019B960494DF}">
-                  <a14:hiddenLine xmlns:a14="http://schemas.microsoft.com/office/drawing/2010/main" xmlns="" w="9525">
+                  <a14:hiddenLine xmlns="" xmlns:a14="http://schemas.microsoft.com/office/drawing/2010/main" w="9525">
                     <a:solidFill>
                       <a:srgbClr val="000000"/>
                     </a:solidFill>
@@ -9674,7 +9679,7 @@
               </a:ln>
               <a:extLst>
                 <a:ext uri="{91240B29-F687-4f45-9708-019B960494DF}">
-                  <a14:hiddenLine xmlns:a14="http://schemas.microsoft.com/office/drawing/2010/main" xmlns="" w="9525">
+                  <a14:hiddenLine xmlns="" xmlns:a14="http://schemas.microsoft.com/office/drawing/2010/main" w="9525">
                     <a:solidFill>
                       <a:srgbClr val="000000"/>
                     </a:solidFill>
@@ -9764,7 +9769,7 @@
               </a:ln>
               <a:extLst>
                 <a:ext uri="{91240B29-F687-4f45-9708-019B960494DF}">
-                  <a14:hiddenLine xmlns:a14="http://schemas.microsoft.com/office/drawing/2010/main" xmlns="" w="9525">
+                  <a14:hiddenLine xmlns="" xmlns:a14="http://schemas.microsoft.com/office/drawing/2010/main" w="9525">
                     <a:solidFill>
                       <a:srgbClr val="000000"/>
                     </a:solidFill>
@@ -9826,7 +9831,7 @@
               </a:ln>
               <a:extLst>
                 <a:ext uri="{91240B29-F687-4f45-9708-019B960494DF}">
-                  <a14:hiddenLine xmlns:a14="http://schemas.microsoft.com/office/drawing/2010/main" xmlns="" w="9525">
+                  <a14:hiddenLine xmlns="" xmlns:a14="http://schemas.microsoft.com/office/drawing/2010/main" w="9525">
                     <a:solidFill>
                       <a:srgbClr val="000000"/>
                     </a:solidFill>
@@ -9936,7 +9941,7 @@
               </a:ln>
               <a:extLst>
                 <a:ext uri="{91240B29-F687-4f45-9708-019B960494DF}">
-                  <a14:hiddenLine xmlns:a14="http://schemas.microsoft.com/office/drawing/2010/main" xmlns="" w="9525">
+                  <a14:hiddenLine xmlns="" xmlns:a14="http://schemas.microsoft.com/office/drawing/2010/main" w="9525">
                     <a:solidFill>
                       <a:srgbClr val="000000"/>
                     </a:solidFill>
@@ -10020,7 +10025,7 @@
               </a:ln>
               <a:extLst>
                 <a:ext uri="{91240B29-F687-4f45-9708-019B960494DF}">
-                  <a14:hiddenLine xmlns:a14="http://schemas.microsoft.com/office/drawing/2010/main" xmlns="" w="9525">
+                  <a14:hiddenLine xmlns="" xmlns:a14="http://schemas.microsoft.com/office/drawing/2010/main" w="9525">
                     <a:solidFill>
                       <a:srgbClr val="000000"/>
                     </a:solidFill>
@@ -10082,7 +10087,7 @@
               </a:ln>
               <a:extLst>
                 <a:ext uri="{91240B29-F687-4f45-9708-019B960494DF}">
-                  <a14:hiddenLine xmlns:a14="http://schemas.microsoft.com/office/drawing/2010/main" xmlns="" w="9525">
+                  <a14:hiddenLine xmlns="" xmlns:a14="http://schemas.microsoft.com/office/drawing/2010/main" w="9525">
                     <a:solidFill>
                       <a:srgbClr val="000000"/>
                     </a:solidFill>
@@ -10144,7 +10149,7 @@
               </a:ln>
               <a:extLst>
                 <a:ext uri="{91240B29-F687-4f45-9708-019B960494DF}">
-                  <a14:hiddenLine xmlns:a14="http://schemas.microsoft.com/office/drawing/2010/main" xmlns="" w="9525">
+                  <a14:hiddenLine xmlns="" xmlns:a14="http://schemas.microsoft.com/office/drawing/2010/main" w="9525">
                     <a:solidFill>
                       <a:srgbClr val="000000"/>
                     </a:solidFill>
@@ -10234,7 +10239,7 @@
               </a:ln>
               <a:extLst>
                 <a:ext uri="{91240B29-F687-4f45-9708-019B960494DF}">
-                  <a14:hiddenLine xmlns:a14="http://schemas.microsoft.com/office/drawing/2010/main" xmlns="" w="9525">
+                  <a14:hiddenLine xmlns="" xmlns:a14="http://schemas.microsoft.com/office/drawing/2010/main" w="9525">
                     <a:solidFill>
                       <a:srgbClr val="000000"/>
                     </a:solidFill>
@@ -10268,7 +10273,7 @@
               </a:ln>
               <a:extLst>
                 <a:ext uri="{91240B29-F687-4f45-9708-019B960494DF}">
-                  <a14:hiddenLine xmlns:a14="http://schemas.microsoft.com/office/drawing/2010/main" xmlns="" w="9525">
+                  <a14:hiddenLine xmlns="" xmlns:a14="http://schemas.microsoft.com/office/drawing/2010/main" w="9525">
                     <a:solidFill>
                       <a:srgbClr val="000000"/>
                     </a:solidFill>
@@ -10333,7 +10338,7 @@
               </a:ln>
               <a:extLst>
                 <a:ext uri="{91240B29-F687-4f45-9708-019B960494DF}">
-                  <a14:hiddenLine xmlns:a14="http://schemas.microsoft.com/office/drawing/2010/main" xmlns="" w="9525">
+                  <a14:hiddenLine xmlns="" xmlns:a14="http://schemas.microsoft.com/office/drawing/2010/main" w="9525">
                     <a:solidFill>
                       <a:srgbClr val="000000"/>
                     </a:solidFill>
@@ -10423,7 +10428,7 @@
               </a:ln>
               <a:extLst>
                 <a:ext uri="{91240B29-F687-4f45-9708-019B960494DF}">
-                  <a14:hiddenLine xmlns:a14="http://schemas.microsoft.com/office/drawing/2010/main" xmlns="" w="9525">
+                  <a14:hiddenLine xmlns="" xmlns:a14="http://schemas.microsoft.com/office/drawing/2010/main" w="9525">
                     <a:solidFill>
                       <a:srgbClr val="000000"/>
                     </a:solidFill>
@@ -10485,7 +10490,7 @@
               </a:ln>
               <a:extLst>
                 <a:ext uri="{91240B29-F687-4f45-9708-019B960494DF}">
-                  <a14:hiddenLine xmlns:a14="http://schemas.microsoft.com/office/drawing/2010/main" xmlns="" w="9525">
+                  <a14:hiddenLine xmlns="" xmlns:a14="http://schemas.microsoft.com/office/drawing/2010/main" w="9525">
                     <a:solidFill>
                       <a:srgbClr val="000000"/>
                     </a:solidFill>
@@ -10575,7 +10580,7 @@
               </a:ln>
               <a:extLst>
                 <a:ext uri="{91240B29-F687-4f45-9708-019B960494DF}">
-                  <a14:hiddenLine xmlns:a14="http://schemas.microsoft.com/office/drawing/2010/main" xmlns="" w="9525">
+                  <a14:hiddenLine xmlns="" xmlns:a14="http://schemas.microsoft.com/office/drawing/2010/main" w="9525">
                     <a:solidFill>
                       <a:srgbClr val="000000"/>
                     </a:solidFill>
@@ -10640,7 +10645,7 @@
               </a:ln>
               <a:extLst>
                 <a:ext uri="{91240B29-F687-4f45-9708-019B960494DF}">
-                  <a14:hiddenLine xmlns:a14="http://schemas.microsoft.com/office/drawing/2010/main" xmlns="" w="9525">
+                  <a14:hiddenLine xmlns="" xmlns:a14="http://schemas.microsoft.com/office/drawing/2010/main" w="9525">
                     <a:solidFill>
                       <a:srgbClr val="000000"/>
                     </a:solidFill>
@@ -10702,7 +10707,7 @@
               </a:ln>
               <a:extLst>
                 <a:ext uri="{91240B29-F687-4f45-9708-019B960494DF}">
-                  <a14:hiddenLine xmlns:a14="http://schemas.microsoft.com/office/drawing/2010/main" xmlns="" w="9525">
+                  <a14:hiddenLine xmlns="" xmlns:a14="http://schemas.microsoft.com/office/drawing/2010/main" w="9525">
                     <a:solidFill>
                       <a:srgbClr val="000000"/>
                     </a:solidFill>
@@ -10792,7 +10797,7 @@
               </a:ln>
               <a:extLst>
                 <a:ext uri="{91240B29-F687-4f45-9708-019B960494DF}">
-                  <a14:hiddenLine xmlns:a14="http://schemas.microsoft.com/office/drawing/2010/main" xmlns="" w="9525">
+                  <a14:hiddenLine xmlns="" xmlns:a14="http://schemas.microsoft.com/office/drawing/2010/main" w="9525">
                     <a:solidFill>
                       <a:srgbClr val="000000"/>
                     </a:solidFill>
@@ -10882,7 +10887,7 @@
               </a:ln>
               <a:extLst>
                 <a:ext uri="{91240B29-F687-4f45-9708-019B960494DF}">
-                  <a14:hiddenLine xmlns:a14="http://schemas.microsoft.com/office/drawing/2010/main" xmlns="" w="9525">
+                  <a14:hiddenLine xmlns="" xmlns:a14="http://schemas.microsoft.com/office/drawing/2010/main" w="9525">
                     <a:solidFill>
                       <a:srgbClr val="000000"/>
                     </a:solidFill>
@@ -10947,7 +10952,7 @@
               </a:ln>
               <a:extLst>
                 <a:ext uri="{91240B29-F687-4f45-9708-019B960494DF}">
-                  <a14:hiddenLine xmlns:a14="http://schemas.microsoft.com/office/drawing/2010/main" xmlns="" w="9525">
+                  <a14:hiddenLine xmlns="" xmlns:a14="http://schemas.microsoft.com/office/drawing/2010/main" w="9525">
                     <a:solidFill>
                       <a:srgbClr val="000000"/>
                     </a:solidFill>
@@ -11067,7 +11072,7 @@
               </a:ln>
               <a:extLst>
                 <a:ext uri="{91240B29-F687-4f45-9708-019B960494DF}">
-                  <a14:hiddenLine xmlns:a14="http://schemas.microsoft.com/office/drawing/2010/main" xmlns="" w="9525">
+                  <a14:hiddenLine xmlns="" xmlns:a14="http://schemas.microsoft.com/office/drawing/2010/main" w="9525">
                     <a:solidFill>
                       <a:srgbClr val="000000"/>
                     </a:solidFill>
@@ -11165,7 +11170,7 @@
               </a:ln>
               <a:extLst>
                 <a:ext uri="{91240B29-F687-4f45-9708-019B960494DF}">
-                  <a14:hiddenLine xmlns:a14="http://schemas.microsoft.com/office/drawing/2010/main" xmlns="" w="9525">
+                  <a14:hiddenLine xmlns="" xmlns:a14="http://schemas.microsoft.com/office/drawing/2010/main" w="9525">
                     <a:solidFill>
                       <a:srgbClr val="000000"/>
                     </a:solidFill>
@@ -11280,7 +11285,7 @@
               </a:ln>
               <a:extLst>
                 <a:ext uri="{91240B29-F687-4f45-9708-019B960494DF}">
-                  <a14:hiddenLine xmlns:a14="http://schemas.microsoft.com/office/drawing/2010/main" xmlns="" w="9525">
+                  <a14:hiddenLine xmlns="" xmlns:a14="http://schemas.microsoft.com/office/drawing/2010/main" w="9525">
                     <a:solidFill>
                       <a:srgbClr val="000000"/>
                     </a:solidFill>
@@ -11370,7 +11375,7 @@
               </a:ln>
               <a:extLst>
                 <a:ext uri="{91240B29-F687-4f45-9708-019B960494DF}">
-                  <a14:hiddenLine xmlns:a14="http://schemas.microsoft.com/office/drawing/2010/main" xmlns="" w="9525">
+                  <a14:hiddenLine xmlns="" xmlns:a14="http://schemas.microsoft.com/office/drawing/2010/main" w="9525">
                     <a:solidFill>
                       <a:srgbClr val="000000"/>
                     </a:solidFill>
@@ -11435,7 +11440,7 @@
               </a:ln>
               <a:extLst>
                 <a:ext uri="{91240B29-F687-4f45-9708-019B960494DF}">
-                  <a14:hiddenLine xmlns:a14="http://schemas.microsoft.com/office/drawing/2010/main" xmlns="" w="9525">
+                  <a14:hiddenLine xmlns="" xmlns:a14="http://schemas.microsoft.com/office/drawing/2010/main" w="9525">
                     <a:solidFill>
                       <a:srgbClr val="000000"/>
                     </a:solidFill>
@@ -11525,7 +11530,7 @@
               </a:ln>
               <a:extLst>
                 <a:ext uri="{91240B29-F687-4f45-9708-019B960494DF}">
-                  <a14:hiddenLine xmlns:a14="http://schemas.microsoft.com/office/drawing/2010/main" xmlns="" w="9525">
+                  <a14:hiddenLine xmlns="" xmlns:a14="http://schemas.microsoft.com/office/drawing/2010/main" w="9525">
                     <a:solidFill>
                       <a:srgbClr val="000000"/>
                     </a:solidFill>
@@ -11593,7 +11598,7 @@
               </a:ln>
               <a:extLst>
                 <a:ext uri="{91240B29-F687-4f45-9708-019B960494DF}">
-                  <a14:hiddenLine xmlns:a14="http://schemas.microsoft.com/office/drawing/2010/main" xmlns="" w="9525">
+                  <a14:hiddenLine xmlns="" xmlns:a14="http://schemas.microsoft.com/office/drawing/2010/main" w="9525">
                     <a:solidFill>
                       <a:srgbClr val="000000"/>
                     </a:solidFill>
@@ -11683,7 +11688,7 @@
               </a:ln>
               <a:extLst>
                 <a:ext uri="{91240B29-F687-4f45-9708-019B960494DF}">
-                  <a14:hiddenLine xmlns:a14="http://schemas.microsoft.com/office/drawing/2010/main" xmlns="" w="9525">
+                  <a14:hiddenLine xmlns="" xmlns:a14="http://schemas.microsoft.com/office/drawing/2010/main" w="9525">
                     <a:solidFill>
                       <a:srgbClr val="000000"/>
                     </a:solidFill>
@@ -11751,7 +11756,7 @@
               </a:ln>
               <a:extLst>
                 <a:ext uri="{91240B29-F687-4f45-9708-019B960494DF}">
-                  <a14:hiddenLine xmlns:a14="http://schemas.microsoft.com/office/drawing/2010/main" xmlns="" w="9525">
+                  <a14:hiddenLine xmlns="" xmlns:a14="http://schemas.microsoft.com/office/drawing/2010/main" w="9525">
                     <a:solidFill>
                       <a:srgbClr val="000000"/>
                     </a:solidFill>
@@ -11841,7 +11846,7 @@
               </a:ln>
               <a:extLst>
                 <a:ext uri="{91240B29-F687-4f45-9708-019B960494DF}">
-                  <a14:hiddenLine xmlns:a14="http://schemas.microsoft.com/office/drawing/2010/main" xmlns="" w="9525">
+                  <a14:hiddenLine xmlns="" xmlns:a14="http://schemas.microsoft.com/office/drawing/2010/main" w="9525">
                     <a:solidFill>
                       <a:srgbClr val="000000"/>
                     </a:solidFill>
@@ -11875,7 +11880,7 @@
               </a:ln>
               <a:extLst>
                 <a:ext uri="{91240B29-F687-4f45-9708-019B960494DF}">
-                  <a14:hiddenLine xmlns:a14="http://schemas.microsoft.com/office/drawing/2010/main" xmlns="" w="9525">
+                  <a14:hiddenLine xmlns="" xmlns:a14="http://schemas.microsoft.com/office/drawing/2010/main" w="9525">
                     <a:solidFill>
                       <a:srgbClr val="000000"/>
                     </a:solidFill>
@@ -12960,7 +12965,7 @@
                 <a:effectLst/>
                 <a:latin typeface="SegoeUIVariable"/>
               </a:rPr>
-              <a:t>The Indian National Congress (INC) has the unique distinction of contesting every seat in all electoral periods. Similarly, Independent candidates (IND) have contested every seat during both the Medieval and Latest periods.</a:t>
+              <a:t>INC has the unique distinction of contesting every seat in all electoral periods. Similarly, IND has contested every seat during both the Medieval and Latest periods.</a:t>
             </a:r>
           </a:p>
           <a:p>
@@ -12972,7 +12977,7 @@
                 <a:effectLst/>
                 <a:latin typeface="SegoeUIVariable"/>
               </a:rPr>
-              <a:t>The TDP maintained a significant presence, contesting the majority of seats in both the medieval and the latest electoral periods. Meanwhile, BJP substantially increased its participation from the medieval to the modern era.</a:t>
+              <a:t>TDP maintained a significant presence, contesting the majority of seats in both the medieval and the latest electoral periods. Meanwhile, BJP substantially increased its participation from the medieval to the modern era.</a:t>
             </a:r>
           </a:p>
           <a:p>
@@ -13103,7 +13108,7 @@
                 <a:effectLst/>
                 <a:latin typeface="SegoeUIVariable"/>
               </a:rPr>
-              <a:t>Over time, the Indian National Congress (INC) experienced a decline in its vote share, yet it continued to secure the highest percentage of votes. Conversely, IND saw a consistent decrease in their vote share, while the Telugu Desam Party (TDP) witnessed an upward trend in theirs.</a:t>
+              <a:t>Over time, the INC experienced a decline in its vote share, yet it continued to secure the highest percentage of votes. Conversely, IND saw a consistent decrease in their vote share, while TDP witnessed an upward trend in theirs.</a:t>
             </a:r>
           </a:p>
           <a:p>
@@ -13211,7 +13216,7 @@
         <p:spPr/>
         <p:txBody>
           <a:bodyPr>
-            <a:normAutofit fontScale="85000" lnSpcReduction="10000"/>
+            <a:normAutofit fontScale="92500" lnSpcReduction="10000"/>
           </a:bodyPr>
           <a:lstStyle/>
           <a:p>
@@ -13227,7 +13232,7 @@
                 <a:effectLst/>
                 <a:latin typeface="SegoeUIVariable"/>
               </a:rPr>
-              <a:t> Adult candidates have garnered a larger proportion of votes relative to their representation among candidates. Moreover, fielding candidates in every seat does not necessarily translate to a higher vote count; for instance, Independent candidates (IND) contested the majority of seats over time, yet their share of votes diminished. Conversely, the Telugu Desam Party (TDP) ranked fourth in seat participation but secured the second-highest vote share during the medieval period. In the most recent period, TDP’s participation was the third-highest for General (GEN) seats and second-highest for Scheduled Castes (SC) &amp; Scheduled Tribes (ST) seats, yet it outperformed the Indian National Congress (INC) in vote share, claiming the top spot.</a:t>
+              <a:t> Adult candidates have gathered a larger proportion of votes relative to their representation among candidates. Moreover, fielding candidates in every seat does not necessarily translate to a higher vote count; for instance, IND contested the majority of seats over time, yet their share of votes diminished. Conversely, TDP ranked fourth in seat participation but secured the second-highest vote share during the medieval period. In the most recent period, TDP’s participation was the third-highest for GEN seats and second-highest for SC &amp; ST seats, yet it outperformed the INC in vote share, claiming the top spot.</a:t>
             </a:r>
             <a:endParaRPr lang="en-IN" dirty="0"/>
           </a:p>
